--- a/Tubular.pptx
+++ b/Tubular.pptx
@@ -10,6 +10,7 @@
     <p:sldId id="256" r:id="rId4"/>
     <p:sldId id="259" r:id="rId5"/>
     <p:sldId id="260" r:id="rId6"/>
+    <p:sldId id="261" r:id="rId7"/>
   </p:sldIdLst>
   <p:sldSz cx="12192000" cy="6858000"/>
   <p:notesSz cx="6858000" cy="9144000"/>
@@ -294,7 +295,7 @@
             <a:fld id="{87DE6118-2437-4B30-8E3C-4D2BE6020583}" type="datetimeFigureOut">
               <a:rPr lang="en-US" dirty="0"/>
               <a:pPr/>
-              <a:t>9/3/2019</a:t>
+              <a:t>9/5/2019</a:t>
             </a:fld>
             <a:endParaRPr lang="en-US" dirty="0"/>
           </a:p>
@@ -620,7 +621,7 @@
           <a:p>
             <a:fld id="{87DE6118-2437-4B30-8E3C-4D2BE6020583}" type="datetimeFigureOut">
               <a:rPr lang="en-US" dirty="0"/>
-              <a:t>9/3/2019</a:t>
+              <a:t>9/5/2019</a:t>
             </a:fld>
             <a:endParaRPr lang="en-US" dirty="0"/>
           </a:p>
@@ -795,7 +796,7 @@
           <a:p>
             <a:fld id="{87DE6118-2437-4B30-8E3C-4D2BE6020583}" type="datetimeFigureOut">
               <a:rPr lang="en-US" dirty="0"/>
-              <a:t>9/3/2019</a:t>
+              <a:t>9/5/2019</a:t>
             </a:fld>
             <a:endParaRPr lang="en-US" dirty="0"/>
           </a:p>
@@ -960,7 +961,7 @@
           <a:p>
             <a:fld id="{87DE6118-2437-4B30-8E3C-4D2BE6020583}" type="datetimeFigureOut">
               <a:rPr lang="en-US" dirty="0"/>
-              <a:t>9/3/2019</a:t>
+              <a:t>9/5/2019</a:t>
             </a:fld>
             <a:endParaRPr lang="en-US" dirty="0"/>
           </a:p>
@@ -1233,7 +1234,7 @@
             <a:fld id="{87DE6118-2437-4B30-8E3C-4D2BE6020583}" type="datetimeFigureOut">
               <a:rPr lang="en-US" dirty="0"/>
               <a:pPr/>
-              <a:t>9/3/2019</a:t>
+              <a:t>9/5/2019</a:t>
             </a:fld>
             <a:endParaRPr lang="en-US" dirty="0"/>
           </a:p>
@@ -1623,7 +1624,7 @@
           <a:p>
             <a:fld id="{87DE6118-2437-4B30-8E3C-4D2BE6020583}" type="datetimeFigureOut">
               <a:rPr lang="en-US" dirty="0"/>
-              <a:t>9/3/2019</a:t>
+              <a:t>9/5/2019</a:t>
             </a:fld>
             <a:endParaRPr lang="en-US" dirty="0"/>
           </a:p>
@@ -2095,7 +2096,7 @@
           <a:p>
             <a:fld id="{87DE6118-2437-4B30-8E3C-4D2BE6020583}" type="datetimeFigureOut">
               <a:rPr lang="en-US" dirty="0"/>
-              <a:t>9/3/2019</a:t>
+              <a:t>9/5/2019</a:t>
             </a:fld>
             <a:endParaRPr lang="en-US" dirty="0"/>
           </a:p>
@@ -2208,7 +2209,7 @@
           <a:p>
             <a:fld id="{87DE6118-2437-4B30-8E3C-4D2BE6020583}" type="datetimeFigureOut">
               <a:rPr lang="en-US" dirty="0"/>
-              <a:t>9/3/2019</a:t>
+              <a:t>9/5/2019</a:t>
             </a:fld>
             <a:endParaRPr lang="en-US" dirty="0"/>
           </a:p>
@@ -2298,7 +2299,7 @@
           <a:p>
             <a:fld id="{87DE6118-2437-4B30-8E3C-4D2BE6020583}" type="datetimeFigureOut">
               <a:rPr lang="en-US" dirty="0"/>
-              <a:t>9/3/2019</a:t>
+              <a:t>9/5/2019</a:t>
             </a:fld>
             <a:endParaRPr lang="en-US" dirty="0"/>
           </a:p>
@@ -2640,7 +2641,7 @@
             <a:fld id="{87DE6118-2437-4B30-8E3C-4D2BE6020583}" type="datetimeFigureOut">
               <a:rPr lang="en-US" dirty="0"/>
               <a:pPr/>
-              <a:t>9/3/2019</a:t>
+              <a:t>9/5/2019</a:t>
             </a:fld>
             <a:endParaRPr lang="en-US" dirty="0"/>
           </a:p>
@@ -3025,7 +3026,7 @@
             <a:fld id="{87DE6118-2437-4B30-8E3C-4D2BE6020583}" type="datetimeFigureOut">
               <a:rPr lang="en-US" dirty="0"/>
               <a:pPr/>
-              <a:t>9/3/2019</a:t>
+              <a:t>9/5/2019</a:t>
             </a:fld>
             <a:endParaRPr lang="en-US" dirty="0"/>
           </a:p>
@@ -3300,7 +3301,7 @@
             <a:fld id="{87DE6118-2437-4B30-8E3C-4D2BE6020583}" type="datetimeFigureOut">
               <a:rPr lang="en-US" dirty="0"/>
               <a:pPr/>
-              <a:t>9/3/2019</a:t>
+              <a:t>9/5/2019</a:t>
             </a:fld>
             <a:endParaRPr lang="en-US" dirty="0"/>
           </a:p>
@@ -5612,6 +5613,533 @@
 </p:sld>
 </file>
 
+<file path=ppt/slides/slide6.xml><?xml version="1.0" encoding="utf-8"?>
+<p:sld xmlns:a="http://schemas.openxmlformats.org/drawingml/2006/main" xmlns:r="http://schemas.openxmlformats.org/officeDocument/2006/relationships" xmlns:p="http://schemas.openxmlformats.org/presentationml/2006/main">
+  <p:cSld>
+    <p:bg>
+      <p:bgPr>
+        <a:solidFill>
+          <a:schemeClr val="bg2"/>
+        </a:solidFill>
+        <a:effectLst/>
+      </p:bgPr>
+    </p:bg>
+    <p:spTree>
+      <p:nvGrpSpPr>
+        <p:cNvPr id="1" name=""/>
+        <p:cNvGrpSpPr/>
+        <p:nvPr/>
+      </p:nvGrpSpPr>
+      <p:grpSpPr>
+        <a:xfrm>
+          <a:off x="0" y="0"/>
+          <a:ext cx="0" cy="0"/>
+          <a:chOff x="0" y="0"/>
+          <a:chExt cx="0" cy="0"/>
+        </a:xfrm>
+      </p:grpSpPr>
+      <p:sp>
+        <p:nvSpPr>
+          <p:cNvPr id="33" name="Rectangle 27">
+            <a:extLst>
+              <a:ext uri="{FF2B5EF4-FFF2-40B4-BE49-F238E27FC236}">
+                <a16:creationId xmlns:a16="http://schemas.microsoft.com/office/drawing/2014/main" id="{AA6EC888-B85F-410F-B430-06583E94BEEC}"/>
+              </a:ext>
+              <a:ext uri="{C183D7F6-B498-43B3-948B-1728B52AA6E4}">
+                <adec:decorative xmlns:adec="http://schemas.microsoft.com/office/drawing/2017/decorative" val="1"/>
+              </a:ext>
+            </a:extLst>
+          </p:cNvPr>
+          <p:cNvSpPr>
+            <a:spLocks noGrp="1" noRot="1" noChangeAspect="1" noMove="1" noResize="1" noEditPoints="1" noAdjustHandles="1" noChangeArrowheads="1" noChangeShapeType="1" noTextEdit="1"/>
+          </p:cNvSpPr>
+          <p:nvPr>
+            <p:extLst>
+              <p:ext uri="{386F3935-93C4-4BCD-93E2-E3B085C9AB24}">
+                <p16:designElem xmlns:p16="http://schemas.microsoft.com/office/powerpoint/2015/main" val="1"/>
+              </p:ext>
+            </p:extLst>
+          </p:nvPr>
+        </p:nvSpPr>
+        <p:spPr>
+          <a:xfrm>
+            <a:off x="478095" y="376"/>
+            <a:ext cx="228600" cy="6858000"/>
+          </a:xfrm>
+          <a:prstGeom prst="rect">
+            <a:avLst/>
+          </a:prstGeom>
+          <a:solidFill>
+            <a:schemeClr val="tx2"/>
+          </a:solidFill>
+          <a:ln>
+            <a:noFill/>
+          </a:ln>
+        </p:spPr>
+        <p:style>
+          <a:lnRef idx="2">
+            <a:schemeClr val="accent1">
+              <a:shade val="50000"/>
+            </a:schemeClr>
+          </a:lnRef>
+          <a:fillRef idx="1">
+            <a:schemeClr val="accent1"/>
+          </a:fillRef>
+          <a:effectRef idx="0">
+            <a:schemeClr val="accent1"/>
+          </a:effectRef>
+          <a:fontRef idx="minor">
+            <a:schemeClr val="lt1"/>
+          </a:fontRef>
+        </p:style>
+      </p:sp>
+      <p:sp>
+        <p:nvSpPr>
+          <p:cNvPr id="35" name="Rectangle 29">
+            <a:extLst>
+              <a:ext uri="{FF2B5EF4-FFF2-40B4-BE49-F238E27FC236}">
+                <a16:creationId xmlns:a16="http://schemas.microsoft.com/office/drawing/2014/main" id="{85156DEE-4362-47C8-8340-B060F976EA38}"/>
+              </a:ext>
+              <a:ext uri="{C183D7F6-B498-43B3-948B-1728B52AA6E4}">
+                <adec:decorative xmlns:adec="http://schemas.microsoft.com/office/drawing/2017/decorative" val="1"/>
+              </a:ext>
+            </a:extLst>
+          </p:cNvPr>
+          <p:cNvSpPr>
+            <a:spLocks noGrp="1" noRot="1" noChangeAspect="1" noMove="1" noResize="1" noEditPoints="1" noAdjustHandles="1" noChangeArrowheads="1" noChangeShapeType="1" noTextEdit="1"/>
+          </p:cNvSpPr>
+          <p:nvPr>
+            <p:extLst>
+              <p:ext uri="{386F3935-93C4-4BCD-93E2-E3B085C9AB24}">
+                <p16:designElem xmlns:p16="http://schemas.microsoft.com/office/powerpoint/2015/main" val="1"/>
+              </p:ext>
+            </p:extLst>
+          </p:nvPr>
+        </p:nvSpPr>
+        <p:spPr>
+          <a:xfrm>
+            <a:off x="0" y="0"/>
+            <a:ext cx="12192000" cy="6858000"/>
+          </a:xfrm>
+          <a:prstGeom prst="rect">
+            <a:avLst/>
+          </a:prstGeom>
+          <a:solidFill>
+            <a:schemeClr val="bg2"/>
+          </a:solidFill>
+          <a:ln>
+            <a:noFill/>
+          </a:ln>
+        </p:spPr>
+        <p:style>
+          <a:lnRef idx="2">
+            <a:schemeClr val="accent1">
+              <a:shade val="50000"/>
+            </a:schemeClr>
+          </a:lnRef>
+          <a:fillRef idx="1">
+            <a:schemeClr val="accent1"/>
+          </a:fillRef>
+          <a:effectRef idx="0">
+            <a:schemeClr val="accent1"/>
+          </a:effectRef>
+          <a:fontRef idx="minor">
+            <a:schemeClr val="lt1"/>
+          </a:fontRef>
+        </p:style>
+        <p:txBody>
+          <a:bodyPr rtlCol="0" anchor="ctr"/>
+          <a:lstStyle/>
+          <a:p>
+            <a:pPr algn="ctr"/>
+            <a:endParaRPr lang="en-US"/>
+          </a:p>
+        </p:txBody>
+      </p:sp>
+      <p:sp>
+        <p:nvSpPr>
+          <p:cNvPr id="32" name="Freeform 6">
+            <a:extLst>
+              <a:ext uri="{FF2B5EF4-FFF2-40B4-BE49-F238E27FC236}">
+                <a16:creationId xmlns:a16="http://schemas.microsoft.com/office/drawing/2014/main" id="{F0AEA2AD-111E-4E72-80B8-21CD82BDDF2A}"/>
+              </a:ext>
+              <a:ext uri="{C183D7F6-B498-43B3-948B-1728B52AA6E4}">
+                <adec:decorative xmlns:adec="http://schemas.microsoft.com/office/drawing/2017/decorative" val="1"/>
+              </a:ext>
+            </a:extLst>
+          </p:cNvPr>
+          <p:cNvSpPr>
+            <a:spLocks noGrp="1" noRot="1" noChangeAspect="1" noMove="1" noResize="1" noEditPoints="1" noAdjustHandles="1" noChangeArrowheads="1" noChangeShapeType="1" noTextEdit="1"/>
+          </p:cNvSpPr>
+          <p:nvPr>
+            <p:extLst>
+              <p:ext uri="{386F3935-93C4-4BCD-93E2-E3B085C9AB24}">
+                <p16:designElem xmlns:p16="http://schemas.microsoft.com/office/powerpoint/2015/main" val="1"/>
+              </p:ext>
+            </p:extLst>
+          </p:nvPr>
+        </p:nvSpPr>
+        <p:spPr bwMode="auto">
+          <a:xfrm>
+            <a:off x="8038446" y="1749415"/>
+            <a:ext cx="3275013" cy="4408488"/>
+          </a:xfrm>
+          <a:custGeom>
+            <a:avLst/>
+            <a:gdLst/>
+            <a:ahLst/>
+            <a:cxnLst/>
+            <a:rect l="0" t="0" r="r" b="b"/>
+            <a:pathLst>
+              <a:path w="4125" h="5554">
+                <a:moveTo>
+                  <a:pt x="3614" y="0"/>
+                </a:moveTo>
+                <a:lnTo>
+                  <a:pt x="4125" y="0"/>
+                </a:lnTo>
+                <a:lnTo>
+                  <a:pt x="4125" y="5554"/>
+                </a:lnTo>
+                <a:lnTo>
+                  <a:pt x="0" y="5554"/>
+                </a:lnTo>
+                <a:lnTo>
+                  <a:pt x="0" y="5074"/>
+                </a:lnTo>
+                <a:lnTo>
+                  <a:pt x="3614" y="5074"/>
+                </a:lnTo>
+                <a:lnTo>
+                  <a:pt x="3614" y="0"/>
+                </a:lnTo>
+                <a:close/>
+              </a:path>
+            </a:pathLst>
+          </a:custGeom>
+          <a:solidFill>
+            <a:schemeClr val="tx2"/>
+          </a:solidFill>
+          <a:ln w="0">
+            <a:noFill/>
+            <a:prstDash val="solid"/>
+            <a:round/>
+            <a:headEnd/>
+            <a:tailEnd/>
+          </a:ln>
+        </p:spPr>
+      </p:sp>
+      <p:sp>
+        <p:nvSpPr>
+          <p:cNvPr id="34" name="Rectangle 33">
+            <a:extLst>
+              <a:ext uri="{FF2B5EF4-FFF2-40B4-BE49-F238E27FC236}">
+                <a16:creationId xmlns:a16="http://schemas.microsoft.com/office/drawing/2014/main" id="{E73A70C5-69E2-4394-9377-2B9284BD44DE}"/>
+              </a:ext>
+              <a:ext uri="{C183D7F6-B498-43B3-948B-1728B52AA6E4}">
+                <adec:decorative xmlns:adec="http://schemas.microsoft.com/office/drawing/2017/decorative" val="1"/>
+              </a:ext>
+            </a:extLst>
+          </p:cNvPr>
+          <p:cNvSpPr>
+            <a:spLocks noGrp="1" noRot="1" noChangeAspect="1" noMove="1" noResize="1" noEditPoints="1" noAdjustHandles="1" noChangeArrowheads="1" noChangeShapeType="1" noTextEdit="1"/>
+          </p:cNvSpPr>
+          <p:nvPr>
+            <p:extLst>
+              <p:ext uri="{386F3935-93C4-4BCD-93E2-E3B085C9AB24}">
+                <p16:designElem xmlns:p16="http://schemas.microsoft.com/office/powerpoint/2015/main" val="1"/>
+              </p:ext>
+            </p:extLst>
+          </p:nvPr>
+        </p:nvSpPr>
+        <p:spPr>
+          <a:xfrm>
+            <a:off x="160868" y="160867"/>
+            <a:ext cx="10908160" cy="5776857"/>
+          </a:xfrm>
+          <a:prstGeom prst="rect">
+            <a:avLst/>
+          </a:prstGeom>
+          <a:solidFill>
+            <a:srgbClr val="FFFFFF"/>
+          </a:solidFill>
+          <a:ln>
+            <a:noFill/>
+          </a:ln>
+        </p:spPr>
+        <p:style>
+          <a:lnRef idx="2">
+            <a:schemeClr val="accent1">
+              <a:shade val="50000"/>
+            </a:schemeClr>
+          </a:lnRef>
+          <a:fillRef idx="1">
+            <a:schemeClr val="accent1"/>
+          </a:fillRef>
+          <a:effectRef idx="0">
+            <a:schemeClr val="accent1"/>
+          </a:effectRef>
+          <a:fontRef idx="minor">
+            <a:schemeClr val="lt1"/>
+          </a:fontRef>
+        </p:style>
+        <p:txBody>
+          <a:bodyPr rtlCol="0" anchor="ctr"/>
+          <a:lstStyle/>
+          <a:p>
+            <a:pPr algn="ctr"/>
+            <a:endParaRPr lang="en-US"/>
+          </a:p>
+        </p:txBody>
+      </p:sp>
+      <p:pic>
+        <p:nvPicPr>
+          <p:cNvPr id="5" name="Imagen 4">
+            <a:extLst>
+              <a:ext uri="{FF2B5EF4-FFF2-40B4-BE49-F238E27FC236}">
+                <a16:creationId xmlns:a16="http://schemas.microsoft.com/office/drawing/2014/main" id="{350D0043-A867-4B7B-B2A8-E0C8D7D03471}"/>
+              </a:ext>
+            </a:extLst>
+          </p:cNvPr>
+          <p:cNvPicPr>
+            <a:picLocks noChangeAspect="1"/>
+          </p:cNvPicPr>
+          <p:nvPr/>
+        </p:nvPicPr>
+        <p:blipFill rotWithShape="1">
+          <a:blip r:embed="rId2"/>
+          <a:srcRect r="1171"/>
+          <a:stretch/>
+        </p:blipFill>
+        <p:spPr>
+          <a:xfrm>
+            <a:off x="482598" y="406400"/>
+            <a:ext cx="10264697" cy="5374640"/>
+          </a:xfrm>
+          <a:prstGeom prst="rect">
+            <a:avLst/>
+          </a:prstGeom>
+        </p:spPr>
+      </p:pic>
+      <p:sp>
+        <p:nvSpPr>
+          <p:cNvPr id="7" name="Rectángulo 6">
+            <a:extLst>
+              <a:ext uri="{FF2B5EF4-FFF2-40B4-BE49-F238E27FC236}">
+                <a16:creationId xmlns:a16="http://schemas.microsoft.com/office/drawing/2014/main" id="{B0C0BEA0-84D3-48A9-8C6F-389B83D9E13A}"/>
+              </a:ext>
+            </a:extLst>
+          </p:cNvPr>
+          <p:cNvSpPr/>
+          <p:nvPr/>
+        </p:nvSpPr>
+        <p:spPr>
+          <a:xfrm>
+            <a:off x="7762875" y="406400"/>
+            <a:ext cx="3076575" cy="803275"/>
+          </a:xfrm>
+          <a:prstGeom prst="rect">
+            <a:avLst/>
+          </a:prstGeom>
+          <a:noFill/>
+          <a:ln>
+            <a:solidFill>
+              <a:srgbClr val="00B050"/>
+            </a:solidFill>
+          </a:ln>
+        </p:spPr>
+        <p:style>
+          <a:lnRef idx="2">
+            <a:schemeClr val="accent1">
+              <a:shade val="50000"/>
+            </a:schemeClr>
+          </a:lnRef>
+          <a:fillRef idx="1">
+            <a:schemeClr val="accent1"/>
+          </a:fillRef>
+          <a:effectRef idx="0">
+            <a:schemeClr val="accent1"/>
+          </a:effectRef>
+          <a:fontRef idx="minor">
+            <a:schemeClr val="lt1"/>
+          </a:fontRef>
+        </p:style>
+        <p:txBody>
+          <a:bodyPr rtlCol="0" anchor="ctr"/>
+          <a:lstStyle/>
+          <a:p>
+            <a:pPr algn="ctr"/>
+            <a:endParaRPr lang="en-US"/>
+          </a:p>
+        </p:txBody>
+      </p:sp>
+      <p:sp>
+        <p:nvSpPr>
+          <p:cNvPr id="8" name="Rectángulo 7">
+            <a:extLst>
+              <a:ext uri="{FF2B5EF4-FFF2-40B4-BE49-F238E27FC236}">
+                <a16:creationId xmlns:a16="http://schemas.microsoft.com/office/drawing/2014/main" id="{72204790-E275-40DC-AC7D-3D0015413948}"/>
+              </a:ext>
+            </a:extLst>
+          </p:cNvPr>
+          <p:cNvSpPr/>
+          <p:nvPr/>
+        </p:nvSpPr>
+        <p:spPr>
+          <a:xfrm>
+            <a:off x="478095" y="1209675"/>
+            <a:ext cx="10264697" cy="3933825"/>
+          </a:xfrm>
+          <a:prstGeom prst="rect">
+            <a:avLst/>
+          </a:prstGeom>
+          <a:noFill/>
+          <a:ln>
+            <a:solidFill>
+              <a:srgbClr val="FF0000"/>
+            </a:solidFill>
+          </a:ln>
+        </p:spPr>
+        <p:style>
+          <a:lnRef idx="2">
+            <a:schemeClr val="accent1">
+              <a:shade val="50000"/>
+            </a:schemeClr>
+          </a:lnRef>
+          <a:fillRef idx="1">
+            <a:schemeClr val="accent1"/>
+          </a:fillRef>
+          <a:effectRef idx="0">
+            <a:schemeClr val="accent1"/>
+          </a:effectRef>
+          <a:fontRef idx="minor">
+            <a:schemeClr val="lt1"/>
+          </a:fontRef>
+        </p:style>
+        <p:txBody>
+          <a:bodyPr rtlCol="0" anchor="ctr"/>
+          <a:lstStyle/>
+          <a:p>
+            <a:pPr algn="ctr"/>
+            <a:endParaRPr lang="en-US"/>
+          </a:p>
+        </p:txBody>
+      </p:sp>
+      <p:sp>
+        <p:nvSpPr>
+          <p:cNvPr id="9" name="Rectángulo 8">
+            <a:extLst>
+              <a:ext uri="{FF2B5EF4-FFF2-40B4-BE49-F238E27FC236}">
+                <a16:creationId xmlns:a16="http://schemas.microsoft.com/office/drawing/2014/main" id="{9CEE5CB3-3176-443E-8126-08C2A4F3D09A}"/>
+              </a:ext>
+            </a:extLst>
+          </p:cNvPr>
+          <p:cNvSpPr/>
+          <p:nvPr/>
+        </p:nvSpPr>
+        <p:spPr>
+          <a:xfrm>
+            <a:off x="482598" y="5143500"/>
+            <a:ext cx="10260194" cy="400050"/>
+          </a:xfrm>
+          <a:prstGeom prst="rect">
+            <a:avLst/>
+          </a:prstGeom>
+          <a:noFill/>
+          <a:ln>
+            <a:solidFill>
+              <a:srgbClr val="FFFF00"/>
+            </a:solidFill>
+          </a:ln>
+        </p:spPr>
+        <p:style>
+          <a:lnRef idx="2">
+            <a:schemeClr val="accent2"/>
+          </a:lnRef>
+          <a:fillRef idx="1">
+            <a:schemeClr val="lt1"/>
+          </a:fillRef>
+          <a:effectRef idx="0">
+            <a:schemeClr val="accent2"/>
+          </a:effectRef>
+          <a:fontRef idx="minor">
+            <a:schemeClr val="dk1"/>
+          </a:fontRef>
+        </p:style>
+        <p:txBody>
+          <a:bodyPr rtlCol="0" anchor="ctr"/>
+          <a:lstStyle/>
+          <a:p>
+            <a:pPr algn="ctr"/>
+            <a:endParaRPr lang="en-US"/>
+          </a:p>
+        </p:txBody>
+      </p:sp>
+      <p:sp>
+        <p:nvSpPr>
+          <p:cNvPr id="11" name="Rectángulo 10">
+            <a:extLst>
+              <a:ext uri="{FF2B5EF4-FFF2-40B4-BE49-F238E27FC236}">
+                <a16:creationId xmlns:a16="http://schemas.microsoft.com/office/drawing/2014/main" id="{3AC63E25-79D2-4155-9B2A-D90C93F74A7D}"/>
+              </a:ext>
+            </a:extLst>
+          </p:cNvPr>
+          <p:cNvSpPr/>
+          <p:nvPr/>
+        </p:nvSpPr>
+        <p:spPr>
+          <a:xfrm>
+            <a:off x="8620125" y="509578"/>
+            <a:ext cx="600075" cy="190519"/>
+          </a:xfrm>
+          <a:prstGeom prst="rect">
+            <a:avLst/>
+          </a:prstGeom>
+          <a:solidFill>
+            <a:schemeClr val="bg1"/>
+          </a:solidFill>
+          <a:ln>
+            <a:noFill/>
+          </a:ln>
+        </p:spPr>
+        <p:style>
+          <a:lnRef idx="2">
+            <a:schemeClr val="accent1">
+              <a:shade val="50000"/>
+            </a:schemeClr>
+          </a:lnRef>
+          <a:fillRef idx="1">
+            <a:schemeClr val="accent1"/>
+          </a:fillRef>
+          <a:effectRef idx="0">
+            <a:schemeClr val="accent1"/>
+          </a:effectRef>
+          <a:fontRef idx="minor">
+            <a:schemeClr val="lt1"/>
+          </a:fontRef>
+        </p:style>
+        <p:txBody>
+          <a:bodyPr rtlCol="0" anchor="ctr"/>
+          <a:lstStyle/>
+          <a:p>
+            <a:pPr algn="ctr"/>
+            <a:endParaRPr lang="en-US"/>
+          </a:p>
+        </p:txBody>
+      </p:sp>
+    </p:spTree>
+    <p:extLst>
+      <p:ext uri="{BB962C8B-B14F-4D97-AF65-F5344CB8AC3E}">
+        <p14:creationId xmlns:p14="http://schemas.microsoft.com/office/powerpoint/2010/main" val="1207386329"/>
+      </p:ext>
+    </p:extLst>
+  </p:cSld>
+  <p:clrMapOvr>
+    <a:masterClrMapping/>
+  </p:clrMapOvr>
+</p:sld>
+</file>
+
 <file path=ppt/theme/theme1.xml><?xml version="1.0" encoding="utf-8"?>
 <a:theme xmlns:a="http://schemas.openxmlformats.org/drawingml/2006/main" name="Recorte">
   <a:themeElements>
